--- a/Day1.pptx
+++ b/Day1.pptx
@@ -11,24 +11,23 @@
     <p:sldId id="275" r:id="rId5"/>
     <p:sldId id="276" r:id="rId6"/>
     <p:sldId id="258" r:id="rId7"/>
-    <p:sldId id="278" r:id="rId8"/>
-    <p:sldId id="257" r:id="rId9"/>
-    <p:sldId id="280" r:id="rId10"/>
-    <p:sldId id="259" r:id="rId11"/>
-    <p:sldId id="260" r:id="rId12"/>
-    <p:sldId id="261" r:id="rId13"/>
-    <p:sldId id="262" r:id="rId14"/>
-    <p:sldId id="263" r:id="rId15"/>
-    <p:sldId id="264" r:id="rId16"/>
-    <p:sldId id="267" r:id="rId17"/>
-    <p:sldId id="281" r:id="rId18"/>
-    <p:sldId id="265" r:id="rId19"/>
-    <p:sldId id="282" r:id="rId20"/>
-    <p:sldId id="268" r:id="rId21"/>
-    <p:sldId id="269" r:id="rId22"/>
-    <p:sldId id="270" r:id="rId23"/>
-    <p:sldId id="271" r:id="rId24"/>
-    <p:sldId id="272" r:id="rId25"/>
+    <p:sldId id="257" r:id="rId8"/>
+    <p:sldId id="280" r:id="rId9"/>
+    <p:sldId id="259" r:id="rId10"/>
+    <p:sldId id="260" r:id="rId11"/>
+    <p:sldId id="261" r:id="rId12"/>
+    <p:sldId id="262" r:id="rId13"/>
+    <p:sldId id="263" r:id="rId14"/>
+    <p:sldId id="264" r:id="rId15"/>
+    <p:sldId id="267" r:id="rId16"/>
+    <p:sldId id="281" r:id="rId17"/>
+    <p:sldId id="265" r:id="rId18"/>
+    <p:sldId id="282" r:id="rId19"/>
+    <p:sldId id="268" r:id="rId20"/>
+    <p:sldId id="269" r:id="rId21"/>
+    <p:sldId id="270" r:id="rId22"/>
+    <p:sldId id="271" r:id="rId23"/>
+    <p:sldId id="272" r:id="rId24"/>
   </p:sldIdLst>
   <p:sldSz cx="12192000" cy="6858000"/>
   <p:notesSz cx="6858000" cy="9144000"/>
@@ -266,7 +265,7 @@
           <a:p>
             <a:fld id="{BFDD8B55-0155-42C8-896D-4D081161264F}" type="datetimeFigureOut">
               <a:rPr lang="en-US" smtClean="0"/>
-              <a:t>4/23/2023</a:t>
+              <a:t>5/7/2023</a:t>
             </a:fld>
             <a:endParaRPr lang="en-US"/>
           </a:p>
@@ -436,7 +435,7 @@
           <a:p>
             <a:fld id="{BFDD8B55-0155-42C8-896D-4D081161264F}" type="datetimeFigureOut">
               <a:rPr lang="en-US" smtClean="0"/>
-              <a:t>4/23/2023</a:t>
+              <a:t>5/7/2023</a:t>
             </a:fld>
             <a:endParaRPr lang="en-US"/>
           </a:p>
@@ -616,7 +615,7 @@
           <a:p>
             <a:fld id="{BFDD8B55-0155-42C8-896D-4D081161264F}" type="datetimeFigureOut">
               <a:rPr lang="en-US" smtClean="0"/>
-              <a:t>4/23/2023</a:t>
+              <a:t>5/7/2023</a:t>
             </a:fld>
             <a:endParaRPr lang="en-US"/>
           </a:p>
@@ -786,7 +785,7 @@
           <a:p>
             <a:fld id="{BFDD8B55-0155-42C8-896D-4D081161264F}" type="datetimeFigureOut">
               <a:rPr lang="en-US" smtClean="0"/>
-              <a:t>4/23/2023</a:t>
+              <a:t>5/7/2023</a:t>
             </a:fld>
             <a:endParaRPr lang="en-US"/>
           </a:p>
@@ -1032,7 +1031,7 @@
           <a:p>
             <a:fld id="{BFDD8B55-0155-42C8-896D-4D081161264F}" type="datetimeFigureOut">
               <a:rPr lang="en-US" smtClean="0"/>
-              <a:t>4/23/2023</a:t>
+              <a:t>5/7/2023</a:t>
             </a:fld>
             <a:endParaRPr lang="en-US"/>
           </a:p>
@@ -1264,7 +1263,7 @@
           <a:p>
             <a:fld id="{BFDD8B55-0155-42C8-896D-4D081161264F}" type="datetimeFigureOut">
               <a:rPr lang="en-US" smtClean="0"/>
-              <a:t>4/23/2023</a:t>
+              <a:t>5/7/2023</a:t>
             </a:fld>
             <a:endParaRPr lang="en-US"/>
           </a:p>
@@ -1631,7 +1630,7 @@
           <a:p>
             <a:fld id="{BFDD8B55-0155-42C8-896D-4D081161264F}" type="datetimeFigureOut">
               <a:rPr lang="en-US" smtClean="0"/>
-              <a:t>4/23/2023</a:t>
+              <a:t>5/7/2023</a:t>
             </a:fld>
             <a:endParaRPr lang="en-US"/>
           </a:p>
@@ -1749,7 +1748,7 @@
           <a:p>
             <a:fld id="{BFDD8B55-0155-42C8-896D-4D081161264F}" type="datetimeFigureOut">
               <a:rPr lang="en-US" smtClean="0"/>
-              <a:t>4/23/2023</a:t>
+              <a:t>5/7/2023</a:t>
             </a:fld>
             <a:endParaRPr lang="en-US"/>
           </a:p>
@@ -1844,7 +1843,7 @@
           <a:p>
             <a:fld id="{BFDD8B55-0155-42C8-896D-4D081161264F}" type="datetimeFigureOut">
               <a:rPr lang="en-US" smtClean="0"/>
-              <a:t>4/23/2023</a:t>
+              <a:t>5/7/2023</a:t>
             </a:fld>
             <a:endParaRPr lang="en-US"/>
           </a:p>
@@ -2121,7 +2120,7 @@
           <a:p>
             <a:fld id="{BFDD8B55-0155-42C8-896D-4D081161264F}" type="datetimeFigureOut">
               <a:rPr lang="en-US" smtClean="0"/>
-              <a:t>4/23/2023</a:t>
+              <a:t>5/7/2023</a:t>
             </a:fld>
             <a:endParaRPr lang="en-US"/>
           </a:p>
@@ -2374,7 +2373,7 @@
           <a:p>
             <a:fld id="{BFDD8B55-0155-42C8-896D-4D081161264F}" type="datetimeFigureOut">
               <a:rPr lang="en-US" smtClean="0"/>
-              <a:t>4/23/2023</a:t>
+              <a:t>5/7/2023</a:t>
             </a:fld>
             <a:endParaRPr lang="en-US"/>
           </a:p>
@@ -2587,7 +2586,7 @@
           <a:p>
             <a:fld id="{BFDD8B55-0155-42C8-896D-4D081161264F}" type="datetimeFigureOut">
               <a:rPr lang="en-US" smtClean="0"/>
-              <a:t>4/23/2023</a:t>
+              <a:t>5/7/2023</a:t>
             </a:fld>
             <a:endParaRPr lang="en-US"/>
           </a:p>
@@ -3081,19 +3080,14 @@
             <p:ph type="title"/>
           </p:nvPr>
         </p:nvSpPr>
-        <p:spPr>
-          <a:xfrm>
-            <a:off x="838200" y="0"/>
-            <a:ext cx="10515600" cy="1325563"/>
-          </a:xfrm>
-        </p:spPr>
-        <p:txBody>
-          <a:bodyPr/>
-          <a:lstStyle/>
-          <a:p>
-            <a:r>
-              <a:rPr lang="en-US" dirty="0" smtClean="0"/>
-              <a:t>Short History Of Java</a:t>
+        <p:spPr/>
+        <p:txBody>
+          <a:bodyPr/>
+          <a:lstStyle/>
+          <a:p>
+            <a:r>
+              <a:rPr lang="en-US" dirty="0" smtClean="0"/>
+              <a:t>Java Buzzwords/features</a:t>
             </a:r>
             <a:endParaRPr lang="en-US" dirty="0"/>
           </a:p>
@@ -3109,124 +3103,55 @@
             <p:ph idx="1"/>
           </p:nvPr>
         </p:nvSpPr>
-        <p:spPr>
-          <a:xfrm>
-            <a:off x="838200" y="1195388"/>
-            <a:ext cx="10515600" cy="5167312"/>
-          </a:xfrm>
-        </p:spPr>
+        <p:spPr/>
         <p:txBody>
           <a:bodyPr>
-            <a:noAutofit/>
+            <a:normAutofit/>
           </a:bodyPr>
           <a:lstStyle/>
           <a:p>
-            <a:pPr algn="just">
-              <a:lnSpc>
-                <a:spcPct val="110000"/>
-              </a:lnSpc>
-            </a:pPr>
-            <a:r>
-              <a:rPr lang="en-US" sz="2200" dirty="0" smtClean="0"/>
-              <a:t>James Gosling, Mike Sheridan, and Patrick </a:t>
-            </a:r>
-            <a:r>
-              <a:rPr lang="en-US" sz="2200" dirty="0" err="1" smtClean="0"/>
-              <a:t>Naughton</a:t>
-            </a:r>
-            <a:r>
-              <a:rPr lang="en-US" sz="2200" dirty="0" smtClean="0"/>
-              <a:t>, a team of Sun engineers known as the </a:t>
-            </a:r>
-            <a:r>
-              <a:rPr lang="en-US" sz="2200" b="1" dirty="0" smtClean="0"/>
-              <a:t>Green team </a:t>
-            </a:r>
-            <a:r>
-              <a:rPr lang="en-US" sz="2200" dirty="0" smtClean="0"/>
-              <a:t>initiated the Java language in 1991.</a:t>
-            </a:r>
-            <a:r>
-              <a:rPr lang="en-US" sz="2200" b="1" dirty="0" smtClean="0"/>
-              <a:t> Sun Microsystems</a:t>
-            </a:r>
-            <a:r>
-              <a:rPr lang="en-US" sz="2200" dirty="0" smtClean="0"/>
-              <a:t> released its first public implementation in 1996 as </a:t>
-            </a:r>
-            <a:r>
-              <a:rPr lang="en-US" sz="2200" b="1" dirty="0" smtClean="0"/>
-              <a:t>Java 1.0</a:t>
-            </a:r>
-            <a:r>
-              <a:rPr lang="en-US" sz="2200" dirty="0" smtClean="0"/>
-              <a:t>. It provides no-cost -run-times on popular platforms.</a:t>
-            </a:r>
-          </a:p>
-          <a:p>
-            <a:pPr algn="just">
-              <a:lnSpc>
-                <a:spcPct val="110000"/>
-              </a:lnSpc>
-            </a:pPr>
-            <a:r>
-              <a:rPr lang="en-US" sz="2200" dirty="0" smtClean="0"/>
-              <a:t>Java1.0 compiler was re-written in Java by Arthur Van Hoff to strictly comply with its specifications. With the arrival of </a:t>
-            </a:r>
-            <a:r>
-              <a:rPr lang="en-US" sz="2200" b="1" dirty="0" smtClean="0"/>
-              <a:t>Java 2.0</a:t>
-            </a:r>
-            <a:r>
-              <a:rPr lang="en-US" sz="2200" dirty="0" smtClean="0"/>
-              <a:t>, new versions had multiple configurations built for different types of platforms.</a:t>
-            </a:r>
-          </a:p>
-          <a:p>
-            <a:pPr algn="just">
-              <a:lnSpc>
-                <a:spcPct val="110000"/>
-              </a:lnSpc>
-            </a:pPr>
-            <a:r>
-              <a:rPr lang="en-US" sz="2200" dirty="0" smtClean="0"/>
-              <a:t>In 1997, </a:t>
-            </a:r>
-            <a:r>
-              <a:rPr lang="en-US" sz="2200" b="1" dirty="0" smtClean="0"/>
-              <a:t>Sun Microsystems </a:t>
-            </a:r>
-            <a:r>
-              <a:rPr lang="en-US" sz="2200" dirty="0" smtClean="0"/>
-              <a:t>approached the ISO standards body and later formalized Java, but it soon withdrew from the process. Sun generated revenue from Java through the selling of licenses for specialized products such as the Java Enterprise System.</a:t>
-            </a:r>
-          </a:p>
-          <a:p>
-            <a:pPr algn="just">
-              <a:lnSpc>
-                <a:spcPct val="110000"/>
-              </a:lnSpc>
-            </a:pPr>
-            <a:r>
-              <a:rPr lang="en-US" sz="2200" dirty="0" smtClean="0"/>
-              <a:t>On November 13, 2006, </a:t>
-            </a:r>
-            <a:r>
-              <a:rPr lang="en-US" sz="2200" b="1" dirty="0" smtClean="0"/>
-              <a:t>Sun</a:t>
-            </a:r>
-            <a:r>
-              <a:rPr lang="en-US" sz="2200" dirty="0" smtClean="0"/>
-              <a:t> released much of its Java virtual machine as free, open-source software. On May 8, 2007, Sun finished the process, making all of its JVM’s core code available under open-source distribution terms.</a:t>
-            </a:r>
-            <a:endParaRPr lang="en-US" sz="2200" dirty="0"/>
+            <a:r>
+              <a:rPr lang="en-US" sz="2400" dirty="0" smtClean="0"/>
+              <a:t>Platform Independent</a:t>
+            </a:r>
+          </a:p>
+          <a:p>
+            <a:r>
+              <a:rPr lang="en-US" sz="2400" dirty="0" smtClean="0"/>
+              <a:t>Object-Oriented Programming Language</a:t>
+            </a:r>
+          </a:p>
+          <a:p>
+            <a:r>
+              <a:rPr lang="en-US" sz="2400" dirty="0" smtClean="0"/>
+              <a:t>Simple</a:t>
+            </a:r>
+          </a:p>
+          <a:p>
+            <a:r>
+              <a:rPr lang="en-US" sz="2400" dirty="0" smtClean="0"/>
+              <a:t>Secure</a:t>
+            </a:r>
+          </a:p>
+          <a:p>
+            <a:r>
+              <a:rPr lang="en-US" sz="2400" dirty="0" smtClean="0"/>
+              <a:t>Multithreading</a:t>
+            </a:r>
+          </a:p>
+          <a:p>
+            <a:r>
+              <a:rPr lang="en-US" sz="2400" dirty="0" smtClean="0"/>
+              <a:t>Portable</a:t>
+            </a:r>
+            <a:endParaRPr lang="en-US" sz="2400" dirty="0"/>
           </a:p>
         </p:txBody>
       </p:sp>
     </p:spTree>
     <p:extLst>
       <p:ext uri="{BB962C8B-B14F-4D97-AF65-F5344CB8AC3E}">
-        <p14:creationId xmlns:p14="http://schemas.microsoft.com/office/powerpoint/2010/main" val="178544491"/>
+        <p14:creationId xmlns:p14="http://schemas.microsoft.com/office/powerpoint/2010/main" val="1014364712"/>
       </p:ext>
     </p:extLst>
   </p:cSld>
@@ -3262,29 +3187,6 @@
       </p:grpSpPr>
       <p:sp>
         <p:nvSpPr>
-          <p:cNvPr id="2" name="Title 1"/>
-          <p:cNvSpPr>
-            <a:spLocks noGrp="1"/>
-          </p:cNvSpPr>
-          <p:nvPr>
-            <p:ph type="title"/>
-          </p:nvPr>
-        </p:nvSpPr>
-        <p:spPr/>
-        <p:txBody>
-          <a:bodyPr/>
-          <a:lstStyle/>
-          <a:p>
-            <a:r>
-              <a:rPr lang="en-US" dirty="0" smtClean="0"/>
-              <a:t>Java Buzzwords/features</a:t>
-            </a:r>
-            <a:endParaRPr lang="en-US" dirty="0"/>
-          </a:p>
-        </p:txBody>
-      </p:sp>
-      <p:sp>
-        <p:nvSpPr>
           <p:cNvPr id="3" name="Content Placeholder 2"/>
           <p:cNvSpPr>
             <a:spLocks noGrp="1"/>
@@ -3293,47 +3195,137 @@
             <p:ph idx="1"/>
           </p:nvPr>
         </p:nvSpPr>
-        <p:spPr/>
+        <p:spPr>
+          <a:xfrm>
+            <a:off x="838200" y="635000"/>
+            <a:ext cx="10515600" cy="5541963"/>
+          </a:xfrm>
+        </p:spPr>
         <p:txBody>
           <a:bodyPr>
             <a:normAutofit/>
           </a:bodyPr>
           <a:lstStyle/>
           <a:p>
+            <a:pPr marL="0" indent="0">
+              <a:lnSpc>
+                <a:spcPct val="100000"/>
+              </a:lnSpc>
+              <a:buNone/>
+            </a:pPr>
+            <a:r>
+              <a:rPr lang="en-US" sz="2400" b="1" dirty="0" smtClean="0"/>
+              <a:t>Platform Independent:</a:t>
+            </a:r>
             <a:r>
               <a:rPr lang="en-US" sz="2400" dirty="0" smtClean="0"/>
-              <a:t>Platform Independent</a:t>
-            </a:r>
-          </a:p>
-          <a:p>
+              <a:t> The compiler converts source code to bytecode and then the JVM executes the bytecode generated by the compiler. This bytecode can run on any platform be it Windows, Linux, or </a:t>
+            </a:r>
+            <a:r>
+              <a:rPr lang="en-US" sz="2400" dirty="0" err="1" smtClean="0"/>
+              <a:t>macOS</a:t>
+            </a:r>
             <a:r>
               <a:rPr lang="en-US" sz="2400" dirty="0" smtClean="0"/>
-              <a:t>Object-Oriented Programming Language</a:t>
-            </a:r>
-          </a:p>
-          <a:p>
+              <a:t> which means if we compile a program on Windows, then we can run it on Linux and vice versa.</a:t>
+            </a:r>
+          </a:p>
+          <a:p>
+            <a:pPr marL="0" indent="0">
+              <a:lnSpc>
+                <a:spcPct val="100000"/>
+              </a:lnSpc>
+              <a:buNone/>
+            </a:pPr>
+            <a:r>
+              <a:rPr lang="en-US" sz="2400" b="1" dirty="0" smtClean="0"/>
+              <a:t>Object-Oriented Programming Language: </a:t>
+            </a:r>
             <a:r>
               <a:rPr lang="en-US" sz="2400" dirty="0" smtClean="0"/>
-              <a:t>Simple</a:t>
-            </a:r>
-          </a:p>
-          <a:p>
+              <a:t>Organizing the program in the terms of a collection of objects is a way of object-oriented programming, each of which represents an instance of the class.</a:t>
+            </a:r>
+          </a:p>
+          <a:p>
+            <a:pPr marL="0" indent="0">
+              <a:lnSpc>
+                <a:spcPct val="100000"/>
+              </a:lnSpc>
+              <a:buNone/>
+            </a:pPr>
             <a:r>
               <a:rPr lang="en-US" sz="2400" dirty="0" smtClean="0"/>
-              <a:t>Secure</a:t>
-            </a:r>
-          </a:p>
-          <a:p>
+              <a:t>The four main concepts of Object-Oriented programming are:</a:t>
+            </a:r>
+          </a:p>
+          <a:p>
+            <a:pPr marL="457200" indent="-457200">
+              <a:lnSpc>
+                <a:spcPct val="100000"/>
+              </a:lnSpc>
+              <a:buFont typeface="+mj-lt"/>
+              <a:buAutoNum type="arabicPeriod"/>
+            </a:pPr>
             <a:r>
               <a:rPr lang="en-US" sz="2400" dirty="0" smtClean="0"/>
-              <a:t>Multithreading</a:t>
-            </a:r>
-          </a:p>
-          <a:p>
+              <a:t>Abstraction</a:t>
+            </a:r>
+          </a:p>
+          <a:p>
+            <a:pPr marL="457200" indent="-457200">
+              <a:lnSpc>
+                <a:spcPct val="100000"/>
+              </a:lnSpc>
+              <a:buFont typeface="+mj-lt"/>
+              <a:buAutoNum type="arabicPeriod"/>
+            </a:pPr>
             <a:r>
               <a:rPr lang="en-US" sz="2400" dirty="0" smtClean="0"/>
-              <a:t>Portable</a:t>
-            </a:r>
+              <a:t>Encapsulation</a:t>
+            </a:r>
+          </a:p>
+          <a:p>
+            <a:pPr marL="457200" indent="-457200">
+              <a:lnSpc>
+                <a:spcPct val="100000"/>
+              </a:lnSpc>
+              <a:buFont typeface="+mj-lt"/>
+              <a:buAutoNum type="arabicPeriod"/>
+            </a:pPr>
+            <a:r>
+              <a:rPr lang="en-US" sz="2400" dirty="0" smtClean="0"/>
+              <a:t>Inheritance</a:t>
+            </a:r>
+          </a:p>
+          <a:p>
+            <a:pPr marL="457200" indent="-457200">
+              <a:lnSpc>
+                <a:spcPct val="100000"/>
+              </a:lnSpc>
+              <a:buFont typeface="+mj-lt"/>
+              <a:buAutoNum type="arabicPeriod"/>
+            </a:pPr>
+            <a:r>
+              <a:rPr lang="en-US" sz="2400" dirty="0" smtClean="0"/>
+              <a:t>Polymorphism</a:t>
+            </a:r>
+          </a:p>
+          <a:p>
+            <a:pPr marL="0" indent="0">
+              <a:lnSpc>
+                <a:spcPct val="100000"/>
+              </a:lnSpc>
+              <a:buNone/>
+            </a:pPr>
+            <a:endParaRPr lang="en-US" sz="2400" dirty="0"/>
+          </a:p>
+          <a:p>
+            <a:pPr marL="0" indent="0">
+              <a:lnSpc>
+                <a:spcPct val="100000"/>
+              </a:lnSpc>
+              <a:buNone/>
+            </a:pPr>
             <a:endParaRPr lang="en-US" sz="2400" dirty="0"/>
           </a:p>
         </p:txBody>
@@ -3341,7 +3333,7 @@
     </p:spTree>
     <p:extLst>
       <p:ext uri="{BB962C8B-B14F-4D97-AF65-F5344CB8AC3E}">
-        <p14:creationId xmlns:p14="http://schemas.microsoft.com/office/powerpoint/2010/main" val="1014364712"/>
+        <p14:creationId xmlns:p14="http://schemas.microsoft.com/office/powerpoint/2010/main" val="3993833897"/>
       </p:ext>
     </p:extLst>
   </p:cSld>
@@ -3387,188 +3379,6 @@
         </p:nvSpPr>
         <p:spPr>
           <a:xfrm>
-            <a:off x="838200" y="635000"/>
-            <a:ext cx="10515600" cy="5541963"/>
-          </a:xfrm>
-        </p:spPr>
-        <p:txBody>
-          <a:bodyPr>
-            <a:normAutofit/>
-          </a:bodyPr>
-          <a:lstStyle/>
-          <a:p>
-            <a:pPr marL="0" indent="0">
-              <a:lnSpc>
-                <a:spcPct val="100000"/>
-              </a:lnSpc>
-              <a:buNone/>
-            </a:pPr>
-            <a:r>
-              <a:rPr lang="en-US" sz="2400" b="1" dirty="0" smtClean="0"/>
-              <a:t>Platform Independent:</a:t>
-            </a:r>
-            <a:r>
-              <a:rPr lang="en-US" sz="2400" dirty="0" smtClean="0"/>
-              <a:t> The compiler converts source code to bytecode and then the JVM executes the bytecode generated by the compiler. This bytecode can run on any platform be it Windows, Linux, or </a:t>
-            </a:r>
-            <a:r>
-              <a:rPr lang="en-US" sz="2400" dirty="0" err="1" smtClean="0"/>
-              <a:t>macOS</a:t>
-            </a:r>
-            <a:r>
-              <a:rPr lang="en-US" sz="2400" dirty="0" smtClean="0"/>
-              <a:t> which means if we compile a program on Windows, then we can run it on Linux and vice versa.</a:t>
-            </a:r>
-          </a:p>
-          <a:p>
-            <a:pPr marL="0" indent="0">
-              <a:lnSpc>
-                <a:spcPct val="100000"/>
-              </a:lnSpc>
-              <a:buNone/>
-            </a:pPr>
-            <a:r>
-              <a:rPr lang="en-US" sz="2400" b="1" dirty="0" smtClean="0"/>
-              <a:t>Object-Oriented Programming Language: </a:t>
-            </a:r>
-            <a:r>
-              <a:rPr lang="en-US" sz="2400" dirty="0" smtClean="0"/>
-              <a:t>Organizing the program in the terms of a collection of objects is a way of object-oriented programming, each of which represents an instance of the class.</a:t>
-            </a:r>
-          </a:p>
-          <a:p>
-            <a:pPr marL="0" indent="0">
-              <a:lnSpc>
-                <a:spcPct val="100000"/>
-              </a:lnSpc>
-              <a:buNone/>
-            </a:pPr>
-            <a:r>
-              <a:rPr lang="en-US" sz="2400" dirty="0" smtClean="0"/>
-              <a:t>The four main concepts of Object-Oriented programming are:</a:t>
-            </a:r>
-          </a:p>
-          <a:p>
-            <a:pPr marL="457200" indent="-457200">
-              <a:lnSpc>
-                <a:spcPct val="100000"/>
-              </a:lnSpc>
-              <a:buFont typeface="+mj-lt"/>
-              <a:buAutoNum type="arabicPeriod"/>
-            </a:pPr>
-            <a:r>
-              <a:rPr lang="en-US" sz="2400" dirty="0" smtClean="0"/>
-              <a:t>Abstraction</a:t>
-            </a:r>
-          </a:p>
-          <a:p>
-            <a:pPr marL="457200" indent="-457200">
-              <a:lnSpc>
-                <a:spcPct val="100000"/>
-              </a:lnSpc>
-              <a:buFont typeface="+mj-lt"/>
-              <a:buAutoNum type="arabicPeriod"/>
-            </a:pPr>
-            <a:r>
-              <a:rPr lang="en-US" sz="2400" dirty="0" smtClean="0"/>
-              <a:t>Encapsulation</a:t>
-            </a:r>
-          </a:p>
-          <a:p>
-            <a:pPr marL="457200" indent="-457200">
-              <a:lnSpc>
-                <a:spcPct val="100000"/>
-              </a:lnSpc>
-              <a:buFont typeface="+mj-lt"/>
-              <a:buAutoNum type="arabicPeriod"/>
-            </a:pPr>
-            <a:r>
-              <a:rPr lang="en-US" sz="2400" dirty="0" smtClean="0"/>
-              <a:t>Inheritance</a:t>
-            </a:r>
-          </a:p>
-          <a:p>
-            <a:pPr marL="457200" indent="-457200">
-              <a:lnSpc>
-                <a:spcPct val="100000"/>
-              </a:lnSpc>
-              <a:buFont typeface="+mj-lt"/>
-              <a:buAutoNum type="arabicPeriod"/>
-            </a:pPr>
-            <a:r>
-              <a:rPr lang="en-US" sz="2400" dirty="0" smtClean="0"/>
-              <a:t>Polymorphism</a:t>
-            </a:r>
-          </a:p>
-          <a:p>
-            <a:pPr marL="0" indent="0">
-              <a:lnSpc>
-                <a:spcPct val="100000"/>
-              </a:lnSpc>
-              <a:buNone/>
-            </a:pPr>
-            <a:endParaRPr lang="en-US" sz="2400" dirty="0"/>
-          </a:p>
-          <a:p>
-            <a:pPr marL="0" indent="0">
-              <a:lnSpc>
-                <a:spcPct val="100000"/>
-              </a:lnSpc>
-              <a:buNone/>
-            </a:pPr>
-            <a:endParaRPr lang="en-US" sz="2400" dirty="0"/>
-          </a:p>
-        </p:txBody>
-      </p:sp>
-    </p:spTree>
-    <p:extLst>
-      <p:ext uri="{BB962C8B-B14F-4D97-AF65-F5344CB8AC3E}">
-        <p14:creationId xmlns:p14="http://schemas.microsoft.com/office/powerpoint/2010/main" val="3993833897"/>
-      </p:ext>
-    </p:extLst>
-  </p:cSld>
-  <p:clrMapOvr>
-    <a:masterClrMapping/>
-  </p:clrMapOvr>
-  <p:timing>
-    <p:tnLst>
-      <p:par>
-        <p:cTn id="1" dur="indefinite" restart="never" nodeType="tmRoot"/>
-      </p:par>
-    </p:tnLst>
-  </p:timing>
-</p:sld>
-</file>
-
-<file path=ppt/slides/slide13.xml><?xml version="1.0" encoding="utf-8"?>
-<p:sld xmlns:a="http://schemas.openxmlformats.org/drawingml/2006/main" xmlns:r="http://schemas.openxmlformats.org/officeDocument/2006/relationships" xmlns:p="http://schemas.openxmlformats.org/presentationml/2006/main">
-  <p:cSld>
-    <p:spTree>
-      <p:nvGrpSpPr>
-        <p:cNvPr id="1" name=""/>
-        <p:cNvGrpSpPr/>
-        <p:nvPr/>
-      </p:nvGrpSpPr>
-      <p:grpSpPr>
-        <a:xfrm>
-          <a:off x="0" y="0"/>
-          <a:ext cx="0" cy="0"/>
-          <a:chOff x="0" y="0"/>
-          <a:chExt cx="0" cy="0"/>
-        </a:xfrm>
-      </p:grpSpPr>
-      <p:sp>
-        <p:nvSpPr>
-          <p:cNvPr id="3" name="Content Placeholder 2"/>
-          <p:cNvSpPr>
-            <a:spLocks noGrp="1"/>
-          </p:cNvSpPr>
-          <p:nvPr>
-            <p:ph idx="1"/>
-          </p:nvPr>
-        </p:nvSpPr>
-        <p:spPr>
-          <a:xfrm>
             <a:off x="749300" y="698500"/>
             <a:ext cx="10515600" cy="5554663"/>
           </a:xfrm>
@@ -3665,7 +3475,7 @@
 </p:sld>
 </file>
 
-<file path=ppt/slides/slide14.xml><?xml version="1.0" encoding="utf-8"?>
+<file path=ppt/slides/slide13.xml><?xml version="1.0" encoding="utf-8"?>
 <p:sld xmlns:a="http://schemas.openxmlformats.org/drawingml/2006/main" xmlns:r="http://schemas.openxmlformats.org/officeDocument/2006/relationships" xmlns:p="http://schemas.openxmlformats.org/presentationml/2006/main">
   <p:cSld>
     <p:spTree>
@@ -3849,7 +3659,7 @@
 </p:sld>
 </file>
 
-<file path=ppt/slides/slide15.xml><?xml version="1.0" encoding="utf-8"?>
+<file path=ppt/slides/slide14.xml><?xml version="1.0" encoding="utf-8"?>
 <p:sld xmlns:a="http://schemas.openxmlformats.org/drawingml/2006/main" xmlns:r="http://schemas.openxmlformats.org/officeDocument/2006/relationships" xmlns:p="http://schemas.openxmlformats.org/presentationml/2006/main">
   <p:cSld>
     <p:spTree>
@@ -3936,7 +3746,7 @@
 </p:sld>
 </file>
 
-<file path=ppt/slides/slide16.xml><?xml version="1.0" encoding="utf-8"?>
+<file path=ppt/slides/slide15.xml><?xml version="1.0" encoding="utf-8"?>
 <p:sld xmlns:a="http://schemas.openxmlformats.org/drawingml/2006/main" xmlns:r="http://schemas.openxmlformats.org/officeDocument/2006/relationships" xmlns:p="http://schemas.openxmlformats.org/presentationml/2006/main">
   <p:cSld>
     <p:spTree>
@@ -4152,7 +3962,7 @@
 </p:sld>
 </file>
 
-<file path=ppt/slides/slide17.xml><?xml version="1.0" encoding="utf-8"?>
+<file path=ppt/slides/slide16.xml><?xml version="1.0" encoding="utf-8"?>
 <p:sld xmlns:a="http://schemas.openxmlformats.org/drawingml/2006/main" xmlns:r="http://schemas.openxmlformats.org/officeDocument/2006/relationships" xmlns:p="http://schemas.openxmlformats.org/presentationml/2006/main">
   <p:cSld>
     <p:spTree>
@@ -4234,7 +4044,7 @@
 </p:sld>
 </file>
 
-<file path=ppt/slides/slide18.xml><?xml version="1.0" encoding="utf-8"?>
+<file path=ppt/slides/slide17.xml><?xml version="1.0" encoding="utf-8"?>
 <p:sld xmlns:a="http://schemas.openxmlformats.org/drawingml/2006/main" xmlns:r="http://schemas.openxmlformats.org/officeDocument/2006/relationships" xmlns:p="http://schemas.openxmlformats.org/presentationml/2006/main">
   <p:cSld>
     <p:spTree>
@@ -4337,7 +4147,7 @@
 </p:sld>
 </file>
 
-<file path=ppt/slides/slide19.xml><?xml version="1.0" encoding="utf-8"?>
+<file path=ppt/slides/slide18.xml><?xml version="1.0" encoding="utf-8"?>
 <p:sld xmlns:a="http://schemas.openxmlformats.org/drawingml/2006/main" xmlns:r="http://schemas.openxmlformats.org/officeDocument/2006/relationships" xmlns:p="http://schemas.openxmlformats.org/presentationml/2006/main">
   <p:cSld>
     <p:spTree>
@@ -4403,6 +4213,107 @@
 </p:sld>
 </file>
 
+<file path=ppt/slides/slide19.xml><?xml version="1.0" encoding="utf-8"?>
+<p:sld xmlns:a="http://schemas.openxmlformats.org/drawingml/2006/main" xmlns:r="http://schemas.openxmlformats.org/officeDocument/2006/relationships" xmlns:p="http://schemas.openxmlformats.org/presentationml/2006/main">
+  <p:cSld>
+    <p:spTree>
+      <p:nvGrpSpPr>
+        <p:cNvPr id="1" name=""/>
+        <p:cNvGrpSpPr/>
+        <p:nvPr/>
+      </p:nvGrpSpPr>
+      <p:grpSpPr>
+        <a:xfrm>
+          <a:off x="0" y="0"/>
+          <a:ext cx="0" cy="0"/>
+          <a:chOff x="0" y="0"/>
+          <a:chExt cx="0" cy="0"/>
+        </a:xfrm>
+      </p:grpSpPr>
+      <p:sp>
+        <p:nvSpPr>
+          <p:cNvPr id="2" name="Title 1"/>
+          <p:cNvSpPr>
+            <a:spLocks noGrp="1"/>
+          </p:cNvSpPr>
+          <p:nvPr>
+            <p:ph type="title"/>
+          </p:nvPr>
+        </p:nvSpPr>
+        <p:spPr/>
+        <p:txBody>
+          <a:bodyPr/>
+          <a:lstStyle/>
+          <a:p>
+            <a:r>
+              <a:rPr lang="en-US" dirty="0" smtClean="0"/>
+              <a:t>Command Line Argument</a:t>
+            </a:r>
+            <a:endParaRPr lang="en-US" dirty="0"/>
+          </a:p>
+        </p:txBody>
+      </p:sp>
+      <p:sp>
+        <p:nvSpPr>
+          <p:cNvPr id="3" name="Content Placeholder 2"/>
+          <p:cNvSpPr>
+            <a:spLocks noGrp="1"/>
+          </p:cNvSpPr>
+          <p:nvPr>
+            <p:ph idx="1"/>
+          </p:nvPr>
+        </p:nvSpPr>
+        <p:spPr/>
+        <p:txBody>
+          <a:bodyPr>
+            <a:normAutofit/>
+          </a:bodyPr>
+          <a:lstStyle/>
+          <a:p>
+            <a:pPr marL="0" indent="0" algn="just">
+              <a:buNone/>
+            </a:pPr>
+            <a:r>
+              <a:rPr lang="en-US" sz="2400" dirty="0"/>
+              <a:t>The java command-line argument is an argument i.e. passed at the time of running the java program</a:t>
+            </a:r>
+            <a:r>
+              <a:rPr lang="en-US" sz="2400" dirty="0" smtClean="0"/>
+              <a:t>.</a:t>
+            </a:r>
+          </a:p>
+          <a:p>
+            <a:pPr marL="0" indent="0" algn="just">
+              <a:buNone/>
+            </a:pPr>
+            <a:r>
+              <a:rPr lang="en-US" sz="2400" dirty="0"/>
+              <a:t>The arguments passed from the console can be received in the java program and it can be used as an input. </a:t>
+            </a:r>
+            <a:endParaRPr lang="en-US" sz="2400" dirty="0" smtClean="0"/>
+          </a:p>
+        </p:txBody>
+      </p:sp>
+    </p:spTree>
+    <p:extLst>
+      <p:ext uri="{BB962C8B-B14F-4D97-AF65-F5344CB8AC3E}">
+        <p14:creationId xmlns:p14="http://schemas.microsoft.com/office/powerpoint/2010/main" val="1862577471"/>
+      </p:ext>
+    </p:extLst>
+  </p:cSld>
+  <p:clrMapOvr>
+    <a:masterClrMapping/>
+  </p:clrMapOvr>
+  <p:timing>
+    <p:tnLst>
+      <p:par>
+        <p:cTn id="1" dur="indefinite" restart="never" nodeType="tmRoot"/>
+      </p:par>
+    </p:tnLst>
+  </p:timing>
+</p:sld>
+</file>
+
 <file path=ppt/slides/slide2.xml><?xml version="1.0" encoding="utf-8"?>
 <p:sld xmlns:a="http://schemas.openxmlformats.org/drawingml/2006/main" xmlns:r="http://schemas.openxmlformats.org/officeDocument/2006/relationships" xmlns:p="http://schemas.openxmlformats.org/presentationml/2006/main">
   <p:cSld>
@@ -4536,7 +4447,7 @@
           <a:p>
             <a:r>
               <a:rPr lang="en-US" dirty="0" smtClean="0"/>
-              <a:t>Command Line Argument</a:t>
+              <a:t>Example</a:t>
             </a:r>
             <a:endParaRPr lang="en-US" dirty="0"/>
           </a:p>
@@ -4554,21 +4465,31 @@
         </p:nvSpPr>
         <p:spPr/>
         <p:txBody>
-          <a:bodyPr>
-            <a:normAutofit/>
-          </a:bodyPr>
+          <a:bodyPr/>
           <a:lstStyle/>
           <a:p>
             <a:pPr marL="0" indent="0" algn="just">
               <a:buNone/>
             </a:pPr>
             <a:r>
-              <a:rPr lang="en-US" sz="2400" dirty="0"/>
-              <a:t>The java command-line argument is an argument i.e. passed at the time of running the java program</a:t>
-            </a:r>
-            <a:r>
-              <a:rPr lang="en-US" sz="2400" dirty="0" smtClean="0"/>
-              <a:t>.</a:t>
+              <a:rPr lang="en-US" dirty="0" smtClean="0">
+                <a:solidFill>
+                  <a:srgbClr val="CC00CC"/>
+                </a:solidFill>
+              </a:rPr>
+              <a:t>public class</a:t>
+            </a:r>
+            <a:r>
+              <a:rPr lang="en-US" dirty="0"/>
+              <a:t> </a:t>
+            </a:r>
+            <a:r>
+              <a:rPr lang="en-US" dirty="0" err="1"/>
+              <a:t>CommandLineExample</a:t>
+            </a:r>
+            <a:r>
+              <a:rPr lang="en-US" dirty="0"/>
+              <a:t>{  </a:t>
             </a:r>
           </a:p>
           <a:p>
@@ -4576,17 +4497,137 @@
               <a:buNone/>
             </a:pPr>
             <a:r>
-              <a:rPr lang="en-US" sz="2400" dirty="0"/>
-              <a:t>The arguments passed from the console can be received in the java program and it can be used as an input. </a:t>
-            </a:r>
-            <a:endParaRPr lang="en-US" sz="2400" dirty="0" smtClean="0"/>
+              <a:rPr lang="en-US" dirty="0" smtClean="0">
+                <a:solidFill>
+                  <a:srgbClr val="CC00CC"/>
+                </a:solidFill>
+              </a:rPr>
+              <a:t>	public</a:t>
+            </a:r>
+            <a:r>
+              <a:rPr lang="en-US" dirty="0">
+                <a:solidFill>
+                  <a:srgbClr val="CC00CC"/>
+                </a:solidFill>
+              </a:rPr>
+              <a:t> static void</a:t>
+            </a:r>
+            <a:r>
+              <a:rPr lang="en-US" dirty="0"/>
+              <a:t> main(String </a:t>
+            </a:r>
+            <a:r>
+              <a:rPr lang="en-US" dirty="0" err="1">
+                <a:solidFill>
+                  <a:schemeClr val="accent2">
+                    <a:lumMod val="75000"/>
+                  </a:schemeClr>
+                </a:solidFill>
+              </a:rPr>
+              <a:t>args</a:t>
+            </a:r>
+            <a:r>
+              <a:rPr lang="en-US" dirty="0"/>
+              <a:t>[]){  </a:t>
+            </a:r>
+          </a:p>
+          <a:p>
+            <a:pPr marL="0" indent="0" algn="just">
+              <a:buNone/>
+            </a:pPr>
+            <a:r>
+              <a:rPr lang="en-US" dirty="0" smtClean="0"/>
+              <a:t>		</a:t>
+            </a:r>
+            <a:r>
+              <a:rPr lang="en-US" dirty="0" err="1" smtClean="0"/>
+              <a:t>System.</a:t>
+            </a:r>
+            <a:r>
+              <a:rPr lang="en-US" dirty="0" err="1" smtClean="0">
+                <a:solidFill>
+                  <a:schemeClr val="accent1"/>
+                </a:solidFill>
+              </a:rPr>
+              <a:t>out</a:t>
+            </a:r>
+            <a:r>
+              <a:rPr lang="en-US" dirty="0" err="1" smtClean="0"/>
+              <a:t>.println</a:t>
+            </a:r>
+            <a:r>
+              <a:rPr lang="en-US" dirty="0" smtClean="0"/>
+              <a:t>(</a:t>
+            </a:r>
+            <a:r>
+              <a:rPr lang="en-US" dirty="0" smtClean="0">
+                <a:solidFill>
+                  <a:schemeClr val="accent1"/>
+                </a:solidFill>
+              </a:rPr>
+              <a:t>"</a:t>
+            </a:r>
+            <a:r>
+              <a:rPr lang="en-US" dirty="0">
+                <a:solidFill>
+                  <a:schemeClr val="accent1"/>
+                </a:solidFill>
+              </a:rPr>
+              <a:t>Your first argument is: "</a:t>
+            </a:r>
+            <a:r>
+              <a:rPr lang="en-US" dirty="0"/>
+              <a:t>+</a:t>
+            </a:r>
+            <a:r>
+              <a:rPr lang="en-US" dirty="0" err="1">
+                <a:solidFill>
+                  <a:schemeClr val="accent2">
+                    <a:lumMod val="75000"/>
+                  </a:schemeClr>
+                </a:solidFill>
+              </a:rPr>
+              <a:t>args</a:t>
+            </a:r>
+            <a:r>
+              <a:rPr lang="en-US" dirty="0"/>
+              <a:t>[0]);  </a:t>
+            </a:r>
+          </a:p>
+          <a:p>
+            <a:pPr marL="0" indent="0" algn="just">
+              <a:buNone/>
+            </a:pPr>
+            <a:r>
+              <a:rPr lang="en-US" dirty="0" smtClean="0"/>
+              <a:t>	}</a:t>
+            </a:r>
+            <a:r>
+              <a:rPr lang="en-US" dirty="0"/>
+              <a:t>  </a:t>
+            </a:r>
+          </a:p>
+          <a:p>
+            <a:pPr marL="0" indent="0" algn="just">
+              <a:buNone/>
+            </a:pPr>
+            <a:r>
+              <a:rPr lang="en-US" dirty="0"/>
+              <a:t>}  </a:t>
+            </a:r>
+          </a:p>
+          <a:p>
+            <a:pPr marL="0" indent="0">
+              <a:buNone/>
+            </a:pPr>
+            <a:endParaRPr lang="en-US" dirty="0"/>
           </a:p>
         </p:txBody>
       </p:sp>
     </p:spTree>
     <p:extLst>
       <p:ext uri="{BB962C8B-B14F-4D97-AF65-F5344CB8AC3E}">
-        <p14:creationId xmlns:p14="http://schemas.microsoft.com/office/powerpoint/2010/main" val="1862577471"/>
+        <p14:creationId xmlns:p14="http://schemas.microsoft.com/office/powerpoint/2010/main" val="2480743017"/>
       </p:ext>
     </p:extLst>
   </p:cSld>
@@ -4637,7 +4678,7 @@
           <a:p>
             <a:r>
               <a:rPr lang="en-US" dirty="0" smtClean="0"/>
-              <a:t>Example</a:t>
+              <a:t>Example 2</a:t>
             </a:r>
             <a:endParaRPr lang="en-US" dirty="0"/>
           </a:p>
@@ -4658,41 +4699,49 @@
           <a:bodyPr/>
           <a:lstStyle/>
           <a:p>
-            <a:pPr marL="0" indent="0" algn="just">
-              <a:buNone/>
-            </a:pPr>
+            <a:pPr marL="0" indent="0">
+              <a:buNone/>
+            </a:pPr>
+            <a:r>
+              <a:rPr lang="en-US" dirty="0">
+                <a:solidFill>
+                  <a:srgbClr val="CC00CC"/>
+                </a:solidFill>
+              </a:rPr>
+              <a:t>class</a:t>
+            </a:r>
+            <a:r>
+              <a:rPr lang="en-US" dirty="0"/>
+              <a:t> </a:t>
+            </a:r>
+            <a:r>
+              <a:rPr lang="en-US" dirty="0" err="1" smtClean="0"/>
+              <a:t>Commandline_demo</a:t>
+            </a:r>
+            <a:r>
+              <a:rPr lang="en-US" dirty="0" smtClean="0"/>
+              <a:t>{</a:t>
+            </a:r>
+            <a:r>
+              <a:rPr lang="en-US" dirty="0"/>
+              <a:t>  </a:t>
+            </a:r>
+          </a:p>
+          <a:p>
+            <a:pPr marL="0" indent="0">
+              <a:buNone/>
+            </a:pPr>
+            <a:r>
+              <a:rPr lang="en-US" dirty="0" smtClean="0"/>
+              <a:t>	</a:t>
+            </a:r>
             <a:r>
               <a:rPr lang="en-US" dirty="0" smtClean="0">
                 <a:solidFill>
                   <a:srgbClr val="CC00CC"/>
                 </a:solidFill>
               </a:rPr>
-              <a:t>public class</a:t>
-            </a:r>
-            <a:r>
-              <a:rPr lang="en-US" dirty="0"/>
-              <a:t> </a:t>
-            </a:r>
-            <a:r>
-              <a:rPr lang="en-US" dirty="0" err="1"/>
-              <a:t>CommandLineExample</a:t>
-            </a:r>
-            <a:r>
-              <a:rPr lang="en-US" dirty="0"/>
-              <a:t>{  </a:t>
-            </a:r>
-          </a:p>
-          <a:p>
-            <a:pPr marL="0" indent="0" algn="just">
-              <a:buNone/>
-            </a:pPr>
-            <a:r>
-              <a:rPr lang="en-US" dirty="0" smtClean="0">
-                <a:solidFill>
-                  <a:srgbClr val="CC00CC"/>
-                </a:solidFill>
-              </a:rPr>
-              <a:t>	public</a:t>
+              <a:t>public</a:t>
             </a:r>
             <a:r>
               <a:rPr lang="en-US" dirty="0">
@@ -4722,52 +4771,34 @@
             </a:r>
           </a:p>
           <a:p>
-            <a:pPr marL="0" indent="0" algn="just">
-              <a:buNone/>
-            </a:pPr>
-            <a:r>
-              <a:rPr lang="en-US" dirty="0" smtClean="0"/>
-              <a:t>		</a:t>
-            </a:r>
-            <a:r>
-              <a:rPr lang="en-US" dirty="0" err="1" smtClean="0"/>
-              <a:t>System.</a:t>
+            <a:pPr marL="0" indent="0">
+              <a:buNone/>
+            </a:pPr>
+            <a:r>
+              <a:rPr lang="en-US" dirty="0" smtClean="0"/>
+              <a:t>		for(</a:t>
             </a:r>
             <a:r>
               <a:rPr lang="en-US" dirty="0" err="1" smtClean="0">
                 <a:solidFill>
-                  <a:schemeClr val="accent1"/>
+                  <a:schemeClr val="accent1">
+                    <a:lumMod val="50000"/>
+                  </a:schemeClr>
                 </a:solidFill>
               </a:rPr>
-              <a:t>out</a:t>
-            </a:r>
-            <a:r>
-              <a:rPr lang="en-US" dirty="0" err="1" smtClean="0"/>
-              <a:t>.println</a:t>
-            </a:r>
-            <a:r>
-              <a:rPr lang="en-US" dirty="0" smtClean="0"/>
-              <a:t>(</a:t>
-            </a:r>
-            <a:r>
-              <a:rPr lang="en-US" dirty="0" smtClean="0">
-                <a:solidFill>
-                  <a:schemeClr val="accent1"/>
-                </a:solidFill>
-              </a:rPr>
-              <a:t>"</a:t>
-            </a:r>
-            <a:r>
-              <a:rPr lang="en-US" dirty="0">
-                <a:solidFill>
-                  <a:schemeClr val="accent1"/>
-                </a:solidFill>
-              </a:rPr>
-              <a:t>Your first argument is: "</a:t>
+              <a:t>int</a:t>
             </a:r>
             <a:r>
               <a:rPr lang="en-US" dirty="0"/>
-              <a:t>+</a:t>
+              <a:t> </a:t>
+            </a:r>
+            <a:r>
+              <a:rPr lang="en-US" dirty="0" err="1"/>
+              <a:t>i</a:t>
+            </a:r>
+            <a:r>
+              <a:rPr lang="en-US" dirty="0"/>
+              <a:t>=0;i&lt;</a:t>
             </a:r>
             <a:r>
               <a:rPr lang="en-US" dirty="0" err="1">
@@ -4780,17 +4811,69 @@
               <a:t>args</a:t>
             </a:r>
             <a:r>
+              <a:rPr lang="en-US" dirty="0" err="1"/>
+              <a:t>.length;i</a:t>
+            </a:r>
+            <a:r>
               <a:rPr lang="en-US" dirty="0"/>
-              <a:t>[0]);  </a:t>
-            </a:r>
-          </a:p>
-          <a:p>
-            <a:pPr marL="0" indent="0" algn="just">
-              <a:buNone/>
-            </a:pPr>
-            <a:r>
-              <a:rPr lang="en-US" dirty="0" smtClean="0"/>
-              <a:t>	}</a:t>
+              <a:t>++) </a:t>
+            </a:r>
+            <a:r>
+              <a:rPr lang="en-US" dirty="0" smtClean="0"/>
+              <a:t>{</a:t>
+            </a:r>
+            <a:r>
+              <a:rPr lang="en-US" dirty="0"/>
+              <a:t> </a:t>
+            </a:r>
+          </a:p>
+          <a:p>
+            <a:pPr marL="0" indent="0">
+              <a:buNone/>
+            </a:pPr>
+            <a:r>
+              <a:rPr lang="en-US" dirty="0" smtClean="0"/>
+              <a:t>			</a:t>
+            </a:r>
+            <a:r>
+              <a:rPr lang="en-US" dirty="0" err="1" smtClean="0"/>
+              <a:t>System.out.println</a:t>
+            </a:r>
+            <a:r>
+              <a:rPr lang="en-US" dirty="0" smtClean="0"/>
+              <a:t>(</a:t>
+            </a:r>
+            <a:r>
+              <a:rPr lang="en-US" dirty="0" err="1" smtClean="0">
+                <a:solidFill>
+                  <a:schemeClr val="accent2">
+                    <a:lumMod val="75000"/>
+                  </a:schemeClr>
+                </a:solidFill>
+              </a:rPr>
+              <a:t>args</a:t>
+            </a:r>
+            <a:r>
+              <a:rPr lang="en-US" dirty="0" smtClean="0"/>
+              <a:t>[</a:t>
+            </a:r>
+            <a:r>
+              <a:rPr lang="en-US" dirty="0" err="1" smtClean="0"/>
+              <a:t>i</a:t>
+            </a:r>
+            <a:r>
+              <a:rPr lang="en-US" dirty="0"/>
+              <a:t>]);  </a:t>
+            </a:r>
+            <a:endParaRPr lang="en-US" dirty="0" smtClean="0"/>
+          </a:p>
+          <a:p>
+            <a:pPr marL="0" indent="0">
+              <a:buNone/>
+            </a:pPr>
+            <a:r>
+              <a:rPr lang="en-US" dirty="0" smtClean="0"/>
+              <a:t>		}</a:t>
             </a:r>
             <a:r>
               <a:rPr lang="en-US" dirty="0"/>
@@ -4798,7 +4881,20 @@
             </a:r>
           </a:p>
           <a:p>
-            <a:pPr marL="0" indent="0" algn="just">
+            <a:pPr marL="0" indent="0">
+              <a:buNone/>
+            </a:pPr>
+            <a:r>
+              <a:rPr lang="en-US" dirty="0" smtClean="0"/>
+              <a:t>	}</a:t>
+            </a:r>
+            <a:r>
+              <a:rPr lang="en-US" dirty="0"/>
+              <a:t>  </a:t>
+            </a:r>
+          </a:p>
+          <a:p>
+            <a:pPr marL="0" indent="0">
               <a:buNone/>
             </a:pPr>
             <a:r>
@@ -4817,7 +4913,7 @@
     </p:spTree>
     <p:extLst>
       <p:ext uri="{BB962C8B-B14F-4D97-AF65-F5344CB8AC3E}">
-        <p14:creationId xmlns:p14="http://schemas.microsoft.com/office/powerpoint/2010/main" val="2480743017"/>
+        <p14:creationId xmlns:p14="http://schemas.microsoft.com/office/powerpoint/2010/main" val="3815505829"/>
       </p:ext>
     </p:extLst>
   </p:cSld>
@@ -4868,292 +4964,6 @@
           <a:p>
             <a:r>
               <a:rPr lang="en-US" dirty="0" smtClean="0"/>
-              <a:t>Example 2</a:t>
-            </a:r>
-            <a:endParaRPr lang="en-US" dirty="0"/>
-          </a:p>
-        </p:txBody>
-      </p:sp>
-      <p:sp>
-        <p:nvSpPr>
-          <p:cNvPr id="3" name="Content Placeholder 2"/>
-          <p:cNvSpPr>
-            <a:spLocks noGrp="1"/>
-          </p:cNvSpPr>
-          <p:nvPr>
-            <p:ph idx="1"/>
-          </p:nvPr>
-        </p:nvSpPr>
-        <p:spPr/>
-        <p:txBody>
-          <a:bodyPr/>
-          <a:lstStyle/>
-          <a:p>
-            <a:pPr marL="0" indent="0">
-              <a:buNone/>
-            </a:pPr>
-            <a:r>
-              <a:rPr lang="en-US" dirty="0">
-                <a:solidFill>
-                  <a:srgbClr val="CC00CC"/>
-                </a:solidFill>
-              </a:rPr>
-              <a:t>class</a:t>
-            </a:r>
-            <a:r>
-              <a:rPr lang="en-US" dirty="0"/>
-              <a:t> </a:t>
-            </a:r>
-            <a:r>
-              <a:rPr lang="en-US" dirty="0" err="1" smtClean="0"/>
-              <a:t>Commandline_demo</a:t>
-            </a:r>
-            <a:r>
-              <a:rPr lang="en-US" dirty="0" smtClean="0"/>
-              <a:t>{</a:t>
-            </a:r>
-            <a:r>
-              <a:rPr lang="en-US" dirty="0"/>
-              <a:t>  </a:t>
-            </a:r>
-          </a:p>
-          <a:p>
-            <a:pPr marL="0" indent="0">
-              <a:buNone/>
-            </a:pPr>
-            <a:r>
-              <a:rPr lang="en-US" dirty="0" smtClean="0"/>
-              <a:t>	</a:t>
-            </a:r>
-            <a:r>
-              <a:rPr lang="en-US" dirty="0" smtClean="0">
-                <a:solidFill>
-                  <a:srgbClr val="CC00CC"/>
-                </a:solidFill>
-              </a:rPr>
-              <a:t>public</a:t>
-            </a:r>
-            <a:r>
-              <a:rPr lang="en-US" dirty="0">
-                <a:solidFill>
-                  <a:srgbClr val="CC00CC"/>
-                </a:solidFill>
-              </a:rPr>
-              <a:t> static void</a:t>
-            </a:r>
-            <a:r>
-              <a:rPr lang="en-US" dirty="0"/>
-              <a:t> main(String </a:t>
-            </a:r>
-            <a:r>
-              <a:rPr lang="en-US" dirty="0" err="1">
-                <a:solidFill>
-                  <a:schemeClr val="accent2">
-                    <a:lumMod val="75000"/>
-                  </a:schemeClr>
-                </a:solidFill>
-              </a:rPr>
-              <a:t>args</a:t>
-            </a:r>
-            <a:r>
-              <a:rPr lang="en-US" dirty="0"/>
-              <a:t>[]){  </a:t>
-            </a:r>
-          </a:p>
-          <a:p>
-            <a:pPr marL="0" indent="0">
-              <a:buNone/>
-            </a:pPr>
-            <a:r>
-              <a:rPr lang="en-US" dirty="0" smtClean="0"/>
-              <a:t>		for(</a:t>
-            </a:r>
-            <a:r>
-              <a:rPr lang="en-US" dirty="0" err="1" smtClean="0">
-                <a:solidFill>
-                  <a:schemeClr val="accent1">
-                    <a:lumMod val="50000"/>
-                  </a:schemeClr>
-                </a:solidFill>
-              </a:rPr>
-              <a:t>int</a:t>
-            </a:r>
-            <a:r>
-              <a:rPr lang="en-US" dirty="0"/>
-              <a:t> </a:t>
-            </a:r>
-            <a:r>
-              <a:rPr lang="en-US" dirty="0" err="1"/>
-              <a:t>i</a:t>
-            </a:r>
-            <a:r>
-              <a:rPr lang="en-US" dirty="0"/>
-              <a:t>=0;i&lt;</a:t>
-            </a:r>
-            <a:r>
-              <a:rPr lang="en-US" dirty="0" err="1">
-                <a:solidFill>
-                  <a:schemeClr val="accent2">
-                    <a:lumMod val="75000"/>
-                  </a:schemeClr>
-                </a:solidFill>
-              </a:rPr>
-              <a:t>args</a:t>
-            </a:r>
-            <a:r>
-              <a:rPr lang="en-US" dirty="0" err="1"/>
-              <a:t>.length;i</a:t>
-            </a:r>
-            <a:r>
-              <a:rPr lang="en-US" dirty="0"/>
-              <a:t>++) </a:t>
-            </a:r>
-            <a:r>
-              <a:rPr lang="en-US" dirty="0" smtClean="0"/>
-              <a:t>{</a:t>
-            </a:r>
-            <a:r>
-              <a:rPr lang="en-US" dirty="0"/>
-              <a:t> </a:t>
-            </a:r>
-          </a:p>
-          <a:p>
-            <a:pPr marL="0" indent="0">
-              <a:buNone/>
-            </a:pPr>
-            <a:r>
-              <a:rPr lang="en-US" dirty="0" smtClean="0"/>
-              <a:t>			</a:t>
-            </a:r>
-            <a:r>
-              <a:rPr lang="en-US" dirty="0" err="1" smtClean="0"/>
-              <a:t>System.out.println</a:t>
-            </a:r>
-            <a:r>
-              <a:rPr lang="en-US" dirty="0" smtClean="0"/>
-              <a:t>(</a:t>
-            </a:r>
-            <a:r>
-              <a:rPr lang="en-US" dirty="0" err="1" smtClean="0">
-                <a:solidFill>
-                  <a:schemeClr val="accent2">
-                    <a:lumMod val="75000"/>
-                  </a:schemeClr>
-                </a:solidFill>
-              </a:rPr>
-              <a:t>args</a:t>
-            </a:r>
-            <a:r>
-              <a:rPr lang="en-US" dirty="0" smtClean="0"/>
-              <a:t>[</a:t>
-            </a:r>
-            <a:r>
-              <a:rPr lang="en-US" dirty="0" err="1" smtClean="0"/>
-              <a:t>i</a:t>
-            </a:r>
-            <a:r>
-              <a:rPr lang="en-US" dirty="0"/>
-              <a:t>]);  </a:t>
-            </a:r>
-            <a:endParaRPr lang="en-US" dirty="0" smtClean="0"/>
-          </a:p>
-          <a:p>
-            <a:pPr marL="0" indent="0">
-              <a:buNone/>
-            </a:pPr>
-            <a:r>
-              <a:rPr lang="en-US" dirty="0" smtClean="0"/>
-              <a:t>		}</a:t>
-            </a:r>
-            <a:r>
-              <a:rPr lang="en-US" dirty="0"/>
-              <a:t>  </a:t>
-            </a:r>
-          </a:p>
-          <a:p>
-            <a:pPr marL="0" indent="0">
-              <a:buNone/>
-            </a:pPr>
-            <a:r>
-              <a:rPr lang="en-US" dirty="0" smtClean="0"/>
-              <a:t>	}</a:t>
-            </a:r>
-            <a:r>
-              <a:rPr lang="en-US" dirty="0"/>
-              <a:t>  </a:t>
-            </a:r>
-          </a:p>
-          <a:p>
-            <a:pPr marL="0" indent="0">
-              <a:buNone/>
-            </a:pPr>
-            <a:r>
-              <a:rPr lang="en-US" dirty="0"/>
-              <a:t>}  </a:t>
-            </a:r>
-          </a:p>
-          <a:p>
-            <a:pPr marL="0" indent="0">
-              <a:buNone/>
-            </a:pPr>
-            <a:endParaRPr lang="en-US" dirty="0"/>
-          </a:p>
-        </p:txBody>
-      </p:sp>
-    </p:spTree>
-    <p:extLst>
-      <p:ext uri="{BB962C8B-B14F-4D97-AF65-F5344CB8AC3E}">
-        <p14:creationId xmlns:p14="http://schemas.microsoft.com/office/powerpoint/2010/main" val="3815505829"/>
-      </p:ext>
-    </p:extLst>
-  </p:cSld>
-  <p:clrMapOvr>
-    <a:masterClrMapping/>
-  </p:clrMapOvr>
-  <p:timing>
-    <p:tnLst>
-      <p:par>
-        <p:cTn id="1" dur="indefinite" restart="never" nodeType="tmRoot"/>
-      </p:par>
-    </p:tnLst>
-  </p:timing>
-</p:sld>
-</file>
-
-<file path=ppt/slides/slide23.xml><?xml version="1.0" encoding="utf-8"?>
-<p:sld xmlns:a="http://schemas.openxmlformats.org/drawingml/2006/main" xmlns:r="http://schemas.openxmlformats.org/officeDocument/2006/relationships" xmlns:p="http://schemas.openxmlformats.org/presentationml/2006/main">
-  <p:cSld>
-    <p:spTree>
-      <p:nvGrpSpPr>
-        <p:cNvPr id="1" name=""/>
-        <p:cNvGrpSpPr/>
-        <p:nvPr/>
-      </p:nvGrpSpPr>
-      <p:grpSpPr>
-        <a:xfrm>
-          <a:off x="0" y="0"/>
-          <a:ext cx="0" cy="0"/>
-          <a:chOff x="0" y="0"/>
-          <a:chExt cx="0" cy="0"/>
-        </a:xfrm>
-      </p:grpSpPr>
-      <p:sp>
-        <p:nvSpPr>
-          <p:cNvPr id="2" name="Title 1"/>
-          <p:cNvSpPr>
-            <a:spLocks noGrp="1"/>
-          </p:cNvSpPr>
-          <p:nvPr>
-            <p:ph type="title"/>
-          </p:nvPr>
-        </p:nvSpPr>
-        <p:spPr/>
-        <p:txBody>
-          <a:bodyPr/>
-          <a:lstStyle/>
-          <a:p>
-            <a:r>
-              <a:rPr lang="en-US" dirty="0" smtClean="0"/>
               <a:t>Scanner</a:t>
             </a:r>
             <a:endParaRPr lang="en-US" dirty="0"/>
@@ -5241,7 +5051,7 @@
 </p:sld>
 </file>
 
-<file path=ppt/slides/slide24.xml><?xml version="1.0" encoding="utf-8"?>
+<file path=ppt/slides/slide23.xml><?xml version="1.0" encoding="utf-8"?>
 <p:sld xmlns:a="http://schemas.openxmlformats.org/drawingml/2006/main" xmlns:r="http://schemas.openxmlformats.org/officeDocument/2006/relationships" xmlns:p="http://schemas.openxmlformats.org/presentationml/2006/main">
   <p:cSld>
     <p:spTree>
@@ -5987,29 +5797,6 @@
       </p:grpSpPr>
       <p:sp>
         <p:nvSpPr>
-          <p:cNvPr id="2" name="Title 1"/>
-          <p:cNvSpPr>
-            <a:spLocks noGrp="1"/>
-          </p:cNvSpPr>
-          <p:nvPr>
-            <p:ph type="title"/>
-          </p:nvPr>
-        </p:nvSpPr>
-        <p:spPr/>
-        <p:txBody>
-          <a:bodyPr/>
-          <a:lstStyle/>
-          <a:p>
-            <a:r>
-              <a:rPr lang="en-US" dirty="0" smtClean="0"/>
-              <a:t>Spring Introduction</a:t>
-            </a:r>
-            <a:endParaRPr lang="en-US" dirty="0"/>
-          </a:p>
-        </p:txBody>
-      </p:sp>
-      <p:sp>
-        <p:nvSpPr>
           <p:cNvPr id="3" name="Content Placeholder 2"/>
           <p:cNvSpPr>
             <a:spLocks noGrp="1"/>
@@ -6018,37 +5805,116 @@
             <p:ph idx="1"/>
           </p:nvPr>
         </p:nvSpPr>
-        <p:spPr/>
+        <p:spPr>
+          <a:xfrm>
+            <a:off x="725659" y="1071710"/>
+            <a:ext cx="10515600" cy="4791075"/>
+          </a:xfrm>
+        </p:spPr>
         <p:txBody>
           <a:bodyPr>
-            <a:normAutofit/>
+            <a:normAutofit lnSpcReduction="10000"/>
           </a:bodyPr>
           <a:lstStyle/>
           <a:p>
-            <a:pPr>
-              <a:lnSpc>
-                <a:spcPct val="100000"/>
-              </a:lnSpc>
-            </a:pPr>
-            <a:r>
-              <a:rPr lang="en-US" sz="2400" dirty="0"/>
-              <a:t>Spring framework is an </a:t>
-            </a:r>
-            <a:r>
-              <a:rPr lang="en-US" sz="2400" dirty="0" smtClean="0"/>
-              <a:t>open-source </a:t>
-            </a:r>
-            <a:r>
-              <a:rPr lang="en-US" sz="2400" dirty="0"/>
-              <a:t>Java platform that provides comprehensive infrastructure support for developing robust Java applications very easily and very rapidly. Spring framework was initially written by Rod Johnson and was first released under the Apache 2.0 license in June 2003.</a:t>
-            </a:r>
+            <a:r>
+              <a:rPr lang="en-US" sz="2600" dirty="0"/>
+              <a:t>Java </a:t>
+            </a:r>
+            <a:r>
+              <a:rPr lang="en-US" sz="2600" dirty="0" smtClean="0"/>
+              <a:t>Introduction</a:t>
+            </a:r>
+          </a:p>
+          <a:p>
+            <a:r>
+              <a:rPr lang="en-US" sz="2600" dirty="0"/>
+              <a:t>Short History of </a:t>
+            </a:r>
+            <a:r>
+              <a:rPr lang="en-US" sz="2600" dirty="0" smtClean="0"/>
+              <a:t>Java</a:t>
+            </a:r>
+          </a:p>
+          <a:p>
+            <a:r>
+              <a:rPr lang="en-US" sz="2600" dirty="0"/>
+              <a:t>Java </a:t>
+            </a:r>
+            <a:r>
+              <a:rPr lang="en-US" sz="2600" dirty="0" smtClean="0"/>
+              <a:t>Buzzwords</a:t>
+            </a:r>
+          </a:p>
+          <a:p>
+            <a:r>
+              <a:rPr lang="en-US" sz="2600" dirty="0"/>
+              <a:t>Java Virtual Machine (JVM</a:t>
+            </a:r>
+            <a:r>
+              <a:rPr lang="en-US" sz="2600" dirty="0" smtClean="0"/>
+              <a:t>)</a:t>
+            </a:r>
+          </a:p>
+          <a:p>
+            <a:r>
+              <a:rPr lang="en-US" sz="2600" dirty="0"/>
+              <a:t>Java Runtime </a:t>
+            </a:r>
+            <a:r>
+              <a:rPr lang="en-US" sz="2600" dirty="0" smtClean="0"/>
+              <a:t>Environment(JRE)</a:t>
+            </a:r>
+          </a:p>
+          <a:p>
+            <a:r>
+              <a:rPr lang="en-US" sz="2600" dirty="0" smtClean="0"/>
+              <a:t>Bytecode</a:t>
+            </a:r>
+          </a:p>
+          <a:p>
+            <a:r>
+              <a:rPr lang="en-US" sz="2600" dirty="0"/>
+              <a:t>Object Oriented Programming and </a:t>
+            </a:r>
+            <a:r>
+              <a:rPr lang="en-US" sz="2600" dirty="0" smtClean="0"/>
+              <a:t>its Principles</a:t>
+            </a:r>
+          </a:p>
+          <a:p>
+            <a:r>
+              <a:rPr lang="en-US" sz="2600" dirty="0"/>
+              <a:t>Writing Simple Java </a:t>
+            </a:r>
+            <a:r>
+              <a:rPr lang="en-US" sz="2600" dirty="0" smtClean="0"/>
+              <a:t>Programs</a:t>
+            </a:r>
+          </a:p>
+          <a:p>
+            <a:r>
+              <a:rPr lang="en-US" sz="2600" dirty="0"/>
+              <a:t>Command Line </a:t>
+            </a:r>
+            <a:r>
+              <a:rPr lang="en-US" sz="2600" dirty="0" smtClean="0"/>
+              <a:t>Arguments</a:t>
+            </a:r>
+          </a:p>
+          <a:p>
+            <a:r>
+              <a:rPr lang="en-US" dirty="0"/>
+              <a:t>Scanner</a:t>
+            </a:r>
+            <a:endParaRPr lang="en-US" sz="2600" dirty="0"/>
           </a:p>
         </p:txBody>
       </p:sp>
     </p:spTree>
     <p:extLst>
       <p:ext uri="{BB962C8B-B14F-4D97-AF65-F5344CB8AC3E}">
-        <p14:creationId xmlns:p14="http://schemas.microsoft.com/office/powerpoint/2010/main" val="2057622211"/>
+        <p14:creationId xmlns:p14="http://schemas.microsoft.com/office/powerpoint/2010/main" val="3529573342"/>
       </p:ext>
     </p:extLst>
   </p:cSld>
@@ -6084,6 +5950,29 @@
       </p:grpSpPr>
       <p:sp>
         <p:nvSpPr>
+          <p:cNvPr id="2" name="Title 1"/>
+          <p:cNvSpPr>
+            <a:spLocks noGrp="1"/>
+          </p:cNvSpPr>
+          <p:nvPr>
+            <p:ph type="title"/>
+          </p:nvPr>
+        </p:nvSpPr>
+        <p:spPr/>
+        <p:txBody>
+          <a:bodyPr/>
+          <a:lstStyle/>
+          <a:p>
+            <a:r>
+              <a:rPr lang="en-US" dirty="0" smtClean="0"/>
+              <a:t>Java Introduction</a:t>
+            </a:r>
+            <a:endParaRPr lang="en-US" dirty="0"/>
+          </a:p>
+        </p:txBody>
+      </p:sp>
+      <p:sp>
+        <p:nvSpPr>
           <p:cNvPr id="3" name="Content Placeholder 2"/>
           <p:cNvSpPr>
             <a:spLocks noGrp="1"/>
@@ -6092,107 +5981,47 @@
             <p:ph idx="1"/>
           </p:nvPr>
         </p:nvSpPr>
-        <p:spPr>
-          <a:xfrm>
-            <a:off x="725659" y="1071710"/>
-            <a:ext cx="10515600" cy="4791075"/>
-          </a:xfrm>
-        </p:spPr>
+        <p:spPr/>
         <p:txBody>
           <a:bodyPr>
-            <a:normAutofit lnSpcReduction="10000"/>
+            <a:normAutofit/>
           </a:bodyPr>
           <a:lstStyle/>
           <a:p>
-            <a:r>
-              <a:rPr lang="en-US" sz="2600" dirty="0"/>
-              <a:t>Java </a:t>
-            </a:r>
-            <a:r>
-              <a:rPr lang="en-US" sz="2600" dirty="0" smtClean="0"/>
-              <a:t>Introduction</a:t>
-            </a:r>
-          </a:p>
-          <a:p>
-            <a:r>
-              <a:rPr lang="en-US" sz="2600" dirty="0"/>
-              <a:t>Short History of </a:t>
-            </a:r>
-            <a:r>
-              <a:rPr lang="en-US" sz="2600" dirty="0" smtClean="0"/>
-              <a:t>Java</a:t>
-            </a:r>
-          </a:p>
-          <a:p>
-            <a:r>
-              <a:rPr lang="en-US" sz="2600" dirty="0"/>
-              <a:t>Java </a:t>
-            </a:r>
-            <a:r>
-              <a:rPr lang="en-US" sz="2600" dirty="0" smtClean="0"/>
-              <a:t>Buzzwords</a:t>
-            </a:r>
-          </a:p>
-          <a:p>
-            <a:r>
-              <a:rPr lang="en-US" sz="2600" dirty="0"/>
-              <a:t>Java Virtual Machine (JVM</a:t>
-            </a:r>
-            <a:r>
-              <a:rPr lang="en-US" sz="2600" dirty="0" smtClean="0"/>
-              <a:t>)</a:t>
-            </a:r>
-          </a:p>
-          <a:p>
-            <a:r>
-              <a:rPr lang="en-US" sz="2600" dirty="0"/>
-              <a:t>Java Runtime </a:t>
-            </a:r>
-            <a:r>
-              <a:rPr lang="en-US" sz="2600" dirty="0" smtClean="0"/>
-              <a:t>Environment(JRE)</a:t>
-            </a:r>
-          </a:p>
-          <a:p>
-            <a:r>
-              <a:rPr lang="en-US" sz="2600" dirty="0" smtClean="0"/>
-              <a:t>Bytecode</a:t>
-            </a:r>
-          </a:p>
-          <a:p>
-            <a:r>
-              <a:rPr lang="en-US" sz="2600" dirty="0"/>
-              <a:t>Object Oriented Programming and </a:t>
-            </a:r>
-            <a:r>
-              <a:rPr lang="en-US" sz="2600" dirty="0" smtClean="0"/>
-              <a:t>its Principles</a:t>
-            </a:r>
-          </a:p>
-          <a:p>
-            <a:r>
-              <a:rPr lang="en-US" sz="2600" dirty="0"/>
-              <a:t>Writing Simple Java </a:t>
-            </a:r>
-            <a:r>
-              <a:rPr lang="en-US" sz="2600" dirty="0" smtClean="0"/>
-              <a:t>Programs</a:t>
-            </a:r>
-          </a:p>
-          <a:p>
-            <a:r>
-              <a:rPr lang="en-US" sz="2600" dirty="0"/>
-              <a:t>Command Line </a:t>
-            </a:r>
-            <a:r>
-              <a:rPr lang="en-US" sz="2600" dirty="0" smtClean="0"/>
-              <a:t>Arguments</a:t>
-            </a:r>
-          </a:p>
-          <a:p>
-            <a:r>
-              <a:rPr lang="en-US" dirty="0"/>
-              <a:t>Scanner</a:t>
+            <a:pPr marL="0" indent="0" algn="just">
+              <a:lnSpc>
+                <a:spcPct val="100000"/>
+              </a:lnSpc>
+              <a:buNone/>
+            </a:pPr>
+            <a:r>
+              <a:rPr lang="en-US" sz="2400" dirty="0" smtClean="0"/>
+              <a:t>Java was developed by James Gosling at Sun Microsystem in the year 1995, and later acquired by Oracle Corporation. It is a simple programming language. </a:t>
+            </a:r>
+            <a:endParaRPr lang="en-US" sz="2400" dirty="0"/>
+          </a:p>
+          <a:p>
+            <a:pPr marL="0" indent="0" algn="just">
+              <a:lnSpc>
+                <a:spcPct val="100000"/>
+              </a:lnSpc>
+              <a:buNone/>
+            </a:pPr>
+            <a:r>
+              <a:rPr lang="en-US" sz="2400" dirty="0" smtClean="0"/>
+              <a:t>Java is a class-based, object-oriented programming language and is designed to have as few implementation dependencies as possible.</a:t>
+            </a:r>
+          </a:p>
+          <a:p>
+            <a:pPr marL="0" indent="0" algn="just">
+              <a:lnSpc>
+                <a:spcPct val="100000"/>
+              </a:lnSpc>
+              <a:buNone/>
+            </a:pPr>
+            <a:r>
+              <a:rPr lang="en-US" sz="2400" dirty="0" smtClean="0"/>
+              <a:t>A general-purpose programming language made for developers to write once run anywhere that is compiled Java code can run on all platforms that support Java.</a:t>
             </a:r>
             <a:endParaRPr lang="en-US" sz="2600" dirty="0"/>
           </a:p>
@@ -6201,7 +6030,7 @@
     </p:spTree>
     <p:extLst>
       <p:ext uri="{BB962C8B-B14F-4D97-AF65-F5344CB8AC3E}">
-        <p14:creationId xmlns:p14="http://schemas.microsoft.com/office/powerpoint/2010/main" val="3529573342"/>
+        <p14:creationId xmlns:p14="http://schemas.microsoft.com/office/powerpoint/2010/main" val="1108446016"/>
       </p:ext>
     </p:extLst>
   </p:cSld>
@@ -6245,14 +6074,19 @@
             <p:ph type="title"/>
           </p:nvPr>
         </p:nvSpPr>
-        <p:spPr/>
-        <p:txBody>
-          <a:bodyPr/>
-          <a:lstStyle/>
-          <a:p>
-            <a:r>
-              <a:rPr lang="en-US" dirty="0" smtClean="0"/>
-              <a:t>Java Introduction</a:t>
+        <p:spPr>
+          <a:xfrm>
+            <a:off x="838200" y="0"/>
+            <a:ext cx="10515600" cy="1325563"/>
+          </a:xfrm>
+        </p:spPr>
+        <p:txBody>
+          <a:bodyPr/>
+          <a:lstStyle/>
+          <a:p>
+            <a:r>
+              <a:rPr lang="en-US" dirty="0" smtClean="0"/>
+              <a:t>Short History Of Java</a:t>
             </a:r>
             <a:endParaRPr lang="en-US" dirty="0"/>
           </a:p>
@@ -6268,56 +6102,124 @@
             <p:ph idx="1"/>
           </p:nvPr>
         </p:nvSpPr>
-        <p:spPr/>
+        <p:spPr>
+          <a:xfrm>
+            <a:off x="838200" y="1195388"/>
+            <a:ext cx="10515600" cy="5167312"/>
+          </a:xfrm>
+        </p:spPr>
         <p:txBody>
           <a:bodyPr>
-            <a:normAutofit/>
+            <a:noAutofit/>
           </a:bodyPr>
           <a:lstStyle/>
           <a:p>
-            <a:pPr marL="0" indent="0" algn="just">
+            <a:pPr algn="just">
               <a:lnSpc>
-                <a:spcPct val="100000"/>
+                <a:spcPct val="110000"/>
               </a:lnSpc>
-              <a:buNone/>
-            </a:pPr>
-            <a:r>
-              <a:rPr lang="en-US" sz="2400" dirty="0" smtClean="0"/>
-              <a:t>Java was developed by James Gosling at Sun Microsystem in the year 1995, and later acquired by Oracle Corporation. It is a simple programming language. </a:t>
-            </a:r>
-            <a:endParaRPr lang="en-US" sz="2400" dirty="0"/>
-          </a:p>
-          <a:p>
-            <a:pPr marL="0" indent="0" algn="just">
+            </a:pPr>
+            <a:r>
+              <a:rPr lang="en-US" sz="2200" dirty="0" smtClean="0"/>
+              <a:t>James Gosling, Mike Sheridan, and Patrick </a:t>
+            </a:r>
+            <a:r>
+              <a:rPr lang="en-US" sz="2200" dirty="0" err="1" smtClean="0"/>
+              <a:t>Naughton</a:t>
+            </a:r>
+            <a:r>
+              <a:rPr lang="en-US" sz="2200" dirty="0" smtClean="0"/>
+              <a:t>, a team of Sun engineers known as the </a:t>
+            </a:r>
+            <a:r>
+              <a:rPr lang="en-US" sz="2200" b="1" dirty="0" smtClean="0"/>
+              <a:t>Green team </a:t>
+            </a:r>
+            <a:r>
+              <a:rPr lang="en-US" sz="2200" dirty="0" smtClean="0"/>
+              <a:t>initiated the Java language in 1991.</a:t>
+            </a:r>
+            <a:r>
+              <a:rPr lang="en-US" sz="2200" b="1" dirty="0" smtClean="0"/>
+              <a:t> Sun Microsystems</a:t>
+            </a:r>
+            <a:r>
+              <a:rPr lang="en-US" sz="2200" dirty="0" smtClean="0"/>
+              <a:t> released its first public implementation in 1996 as </a:t>
+            </a:r>
+            <a:r>
+              <a:rPr lang="en-US" sz="2200" b="1" dirty="0" smtClean="0"/>
+              <a:t>Java 1.0</a:t>
+            </a:r>
+            <a:r>
+              <a:rPr lang="en-US" sz="2200" dirty="0" smtClean="0"/>
+              <a:t>. It provides no-cost -run-times on popular platforms.</a:t>
+            </a:r>
+          </a:p>
+          <a:p>
+            <a:pPr algn="just">
               <a:lnSpc>
-                <a:spcPct val="100000"/>
+                <a:spcPct val="110000"/>
               </a:lnSpc>
-              <a:buNone/>
-            </a:pPr>
-            <a:r>
-              <a:rPr lang="en-US" sz="2400" dirty="0" smtClean="0"/>
-              <a:t>Java is a class-based, object-oriented programming language and is designed to have as few implementation dependencies as possible.</a:t>
-            </a:r>
-          </a:p>
-          <a:p>
-            <a:pPr marL="0" indent="0" algn="just">
+            </a:pPr>
+            <a:r>
+              <a:rPr lang="en-US" sz="2200" dirty="0" smtClean="0"/>
+              <a:t>Java1.0 compiler was re-written in Java by Arthur Van Hoff to strictly comply with its specifications. With the arrival of </a:t>
+            </a:r>
+            <a:r>
+              <a:rPr lang="en-US" sz="2200" b="1" dirty="0" smtClean="0"/>
+              <a:t>Java 2.0</a:t>
+            </a:r>
+            <a:r>
+              <a:rPr lang="en-US" sz="2200" dirty="0" smtClean="0"/>
+              <a:t>, new versions had multiple configurations built for different types of platforms.</a:t>
+            </a:r>
+          </a:p>
+          <a:p>
+            <a:pPr algn="just">
               <a:lnSpc>
-                <a:spcPct val="100000"/>
+                <a:spcPct val="110000"/>
               </a:lnSpc>
-              <a:buNone/>
-            </a:pPr>
-            <a:r>
-              <a:rPr lang="en-US" sz="2400" dirty="0" smtClean="0"/>
-              <a:t>A general-purpose programming language made for developers to write once run anywhere that is compiled Java code can run on all platforms that support Java.</a:t>
-            </a:r>
-            <a:endParaRPr lang="en-US" sz="2600" dirty="0"/>
+            </a:pPr>
+            <a:r>
+              <a:rPr lang="en-US" sz="2200" dirty="0" smtClean="0"/>
+              <a:t>In 1997, </a:t>
+            </a:r>
+            <a:r>
+              <a:rPr lang="en-US" sz="2200" b="1" dirty="0" smtClean="0"/>
+              <a:t>Sun Microsystems </a:t>
+            </a:r>
+            <a:r>
+              <a:rPr lang="en-US" sz="2200" dirty="0" smtClean="0"/>
+              <a:t>approached the ISO standards body and later formalized Java, but it soon withdrew from the process. Sun generated revenue from Java through the selling of licenses for specialized products such as the Java Enterprise System.</a:t>
+            </a:r>
+          </a:p>
+          <a:p>
+            <a:pPr algn="just">
+              <a:lnSpc>
+                <a:spcPct val="110000"/>
+              </a:lnSpc>
+            </a:pPr>
+            <a:r>
+              <a:rPr lang="en-US" sz="2200" dirty="0" smtClean="0"/>
+              <a:t>On November 13, 2006, </a:t>
+            </a:r>
+            <a:r>
+              <a:rPr lang="en-US" sz="2200" b="1" dirty="0" smtClean="0"/>
+              <a:t>Sun</a:t>
+            </a:r>
+            <a:r>
+              <a:rPr lang="en-US" sz="2200" dirty="0" smtClean="0"/>
+              <a:t> released much of its Java virtual machine as free, open-source software. On May 8, 2007, Sun finished the process, making all of its JVM’s core code available under open-source distribution terms.</a:t>
+            </a:r>
+            <a:endParaRPr lang="en-US" sz="2200" dirty="0"/>
           </a:p>
         </p:txBody>
       </p:sp>
     </p:spTree>
     <p:extLst>
       <p:ext uri="{BB962C8B-B14F-4D97-AF65-F5344CB8AC3E}">
-        <p14:creationId xmlns:p14="http://schemas.microsoft.com/office/powerpoint/2010/main" val="1108446016"/>
+        <p14:creationId xmlns:p14="http://schemas.microsoft.com/office/powerpoint/2010/main" val="178544491"/>
       </p:ext>
     </p:extLst>
   </p:cSld>
